--- a/images/sources/eaalmodel.pptx
+++ b/images/sources/eaalmodel.pptx
@@ -198,7 +198,7 @@
           <a:p>
             <a:fld id="{F1248555-D648-4412-9FE8-0D84714B1ED5}" type="datetimeFigureOut">
               <a:rPr lang="en-GB" smtClean="0"/>
-              <a:t>14/04/2022</a:t>
+              <a:t>17/04/2022</a:t>
             </a:fld>
             <a:endParaRPr lang="en-GB"/>
           </a:p>
@@ -956,7 +956,7 @@
           <a:p>
             <a:fld id="{A214040A-FC34-4065-B734-A220B9CFD6B0}" type="datetimeFigureOut">
               <a:rPr lang="en-GB" smtClean="0"/>
-              <a:t>14/04/2022</a:t>
+              <a:t>17/04/2022</a:t>
             </a:fld>
             <a:endParaRPr lang="en-GB"/>
           </a:p>
@@ -1156,7 +1156,7 @@
           <a:p>
             <a:fld id="{A214040A-FC34-4065-B734-A220B9CFD6B0}" type="datetimeFigureOut">
               <a:rPr lang="en-GB" smtClean="0"/>
-              <a:t>14/04/2022</a:t>
+              <a:t>17/04/2022</a:t>
             </a:fld>
             <a:endParaRPr lang="en-GB"/>
           </a:p>
@@ -1366,7 +1366,7 @@
           <a:p>
             <a:fld id="{A214040A-FC34-4065-B734-A220B9CFD6B0}" type="datetimeFigureOut">
               <a:rPr lang="en-GB" smtClean="0"/>
-              <a:t>14/04/2022</a:t>
+              <a:t>17/04/2022</a:t>
             </a:fld>
             <a:endParaRPr lang="en-GB"/>
           </a:p>
@@ -1566,7 +1566,7 @@
           <a:p>
             <a:fld id="{A214040A-FC34-4065-B734-A220B9CFD6B0}" type="datetimeFigureOut">
               <a:rPr lang="en-GB" smtClean="0"/>
-              <a:t>14/04/2022</a:t>
+              <a:t>17/04/2022</a:t>
             </a:fld>
             <a:endParaRPr lang="en-GB"/>
           </a:p>
@@ -1842,7 +1842,7 @@
           <a:p>
             <a:fld id="{A214040A-FC34-4065-B734-A220B9CFD6B0}" type="datetimeFigureOut">
               <a:rPr lang="en-GB" smtClean="0"/>
-              <a:t>14/04/2022</a:t>
+              <a:t>17/04/2022</a:t>
             </a:fld>
             <a:endParaRPr lang="en-GB"/>
           </a:p>
@@ -2110,7 +2110,7 @@
           <a:p>
             <a:fld id="{A214040A-FC34-4065-B734-A220B9CFD6B0}" type="datetimeFigureOut">
               <a:rPr lang="en-GB" smtClean="0"/>
-              <a:t>14/04/2022</a:t>
+              <a:t>17/04/2022</a:t>
             </a:fld>
             <a:endParaRPr lang="en-GB"/>
           </a:p>
@@ -2525,7 +2525,7 @@
           <a:p>
             <a:fld id="{A214040A-FC34-4065-B734-A220B9CFD6B0}" type="datetimeFigureOut">
               <a:rPr lang="en-GB" smtClean="0"/>
-              <a:t>14/04/2022</a:t>
+              <a:t>17/04/2022</a:t>
             </a:fld>
             <a:endParaRPr lang="en-GB"/>
           </a:p>
@@ -2667,7 +2667,7 @@
           <a:p>
             <a:fld id="{A214040A-FC34-4065-B734-A220B9CFD6B0}" type="datetimeFigureOut">
               <a:rPr lang="en-GB" smtClean="0"/>
-              <a:t>14/04/2022</a:t>
+              <a:t>17/04/2022</a:t>
             </a:fld>
             <a:endParaRPr lang="en-GB"/>
           </a:p>
@@ -2780,7 +2780,7 @@
           <a:p>
             <a:fld id="{A214040A-FC34-4065-B734-A220B9CFD6B0}" type="datetimeFigureOut">
               <a:rPr lang="en-GB" smtClean="0"/>
-              <a:t>14/04/2022</a:t>
+              <a:t>17/04/2022</a:t>
             </a:fld>
             <a:endParaRPr lang="en-GB"/>
           </a:p>
@@ -3093,7 +3093,7 @@
           <a:p>
             <a:fld id="{A214040A-FC34-4065-B734-A220B9CFD6B0}" type="datetimeFigureOut">
               <a:rPr lang="en-GB" smtClean="0"/>
-              <a:t>14/04/2022</a:t>
+              <a:t>17/04/2022</a:t>
             </a:fld>
             <a:endParaRPr lang="en-GB"/>
           </a:p>
@@ -3382,7 +3382,7 @@
           <a:p>
             <a:fld id="{A214040A-FC34-4065-B734-A220B9CFD6B0}" type="datetimeFigureOut">
               <a:rPr lang="en-GB" smtClean="0"/>
-              <a:t>14/04/2022</a:t>
+              <a:t>17/04/2022</a:t>
             </a:fld>
             <a:endParaRPr lang="en-GB"/>
           </a:p>
@@ -3625,7 +3625,7 @@
           <a:p>
             <a:fld id="{A214040A-FC34-4065-B734-A220B9CFD6B0}" type="datetimeFigureOut">
               <a:rPr lang="en-GB" smtClean="0"/>
-              <a:t>14/04/2022</a:t>
+              <a:t>17/04/2022</a:t>
             </a:fld>
             <a:endParaRPr lang="en-GB"/>
           </a:p>
@@ -6357,40 +6357,6 @@
                 <a:cs typeface="CMU Sans Serif" panose="02000603000000000000" pitchFamily="2" charset="0"/>
                 <a:sym typeface="Ubuntu"/>
               </a:rPr>
-              <a:t>Optionality*</a:t>
-            </a:r>
-            <a:endParaRPr sz="1600" dirty="0">
-              <a:latin typeface="CMU Sans Serif" panose="02000603000000000000" pitchFamily="2" charset="0"/>
-              <a:ea typeface="CMU Sans Serif" panose="02000603000000000000" pitchFamily="2" charset="0"/>
-              <a:cs typeface="CMU Sans Serif" panose="02000603000000000000" pitchFamily="2" charset="0"/>
-              <a:sym typeface="Ubuntu"/>
-            </a:endParaRPr>
-          </a:p>
-          <a:p>
-            <a:pPr marL="0" marR="0" lvl="0" indent="0" algn="ctr" rtl="0">
-              <a:lnSpc>
-                <a:spcPct val="100000"/>
-              </a:lnSpc>
-              <a:spcBef>
-                <a:spcPts val="0"/>
-              </a:spcBef>
-              <a:spcAft>
-                <a:spcPts val="0"/>
-              </a:spcAft>
-              <a:buClr>
-                <a:schemeClr val="dk1"/>
-              </a:buClr>
-              <a:buSzPts val="1100"/>
-              <a:buFont typeface="Arial"/>
-              <a:buNone/>
-            </a:pPr>
-            <a:r>
-              <a:rPr lang="en-GB" sz="1600" dirty="0">
-                <a:latin typeface="CMU Sans Serif" panose="02000603000000000000" pitchFamily="2" charset="0"/>
-                <a:ea typeface="CMU Sans Serif" panose="02000603000000000000" pitchFamily="2" charset="0"/>
-                <a:cs typeface="CMU Sans Serif" panose="02000603000000000000" pitchFamily="2" charset="0"/>
-                <a:sym typeface="Ubuntu"/>
-              </a:rPr>
               <a:t>Non-monotonicity</a:t>
             </a:r>
             <a:endParaRPr sz="1600" dirty="0">
@@ -6615,7 +6581,7 @@
               <a:buNone/>
             </a:pPr>
             <a:r>
-              <a:rPr lang="en-GB" sz="1600">
+              <a:rPr lang="en-GB" sz="1600" dirty="0">
                 <a:latin typeface="CMU Sans Serif" panose="02000603000000000000" pitchFamily="2" charset="0"/>
                 <a:ea typeface="CMU Sans Serif" panose="02000603000000000000" pitchFamily="2" charset="0"/>
                 <a:cs typeface="CMU Sans Serif" panose="02000603000000000000" pitchFamily="2" charset="0"/>
@@ -6623,7 +6589,7 @@
               </a:rPr>
               <a:t>Resources to invest</a:t>
             </a:r>
-            <a:endParaRPr sz="1600">
+            <a:endParaRPr sz="1600" dirty="0">
               <a:latin typeface="CMU Sans Serif" panose="02000603000000000000" pitchFamily="2" charset="0"/>
               <a:ea typeface="CMU Sans Serif" panose="02000603000000000000" pitchFamily="2" charset="0"/>
               <a:cs typeface="CMU Sans Serif" panose="02000603000000000000" pitchFamily="2" charset="0"/>
@@ -6649,7 +6615,7 @@
               <a:buNone/>
             </a:pPr>
             <a:r>
-              <a:rPr lang="en-GB" sz="1600">
+              <a:rPr lang="en-GB" sz="1600" dirty="0">
                 <a:latin typeface="CMU Sans Serif" panose="02000603000000000000" pitchFamily="2" charset="0"/>
                 <a:ea typeface="CMU Sans Serif" panose="02000603000000000000" pitchFamily="2" charset="0"/>
                 <a:cs typeface="CMU Sans Serif" panose="02000603000000000000" pitchFamily="2" charset="0"/>
@@ -6657,7 +6623,7 @@
               </a:rPr>
               <a:t>Seneca’s barbell</a:t>
             </a:r>
-            <a:endParaRPr sz="1600">
+            <a:endParaRPr sz="1600" dirty="0">
               <a:latin typeface="CMU Sans Serif" panose="02000603000000000000" pitchFamily="2" charset="0"/>
               <a:ea typeface="CMU Sans Serif" panose="02000603000000000000" pitchFamily="2" charset="0"/>
               <a:cs typeface="CMU Sans Serif" panose="02000603000000000000" pitchFamily="2" charset="0"/>
@@ -6683,7 +6649,7 @@
               <a:buNone/>
             </a:pPr>
             <a:r>
-              <a:rPr lang="en-GB" sz="1600">
+              <a:rPr lang="en-GB" sz="1600" dirty="0">
                 <a:latin typeface="CMU Sans Serif" panose="02000603000000000000" pitchFamily="2" charset="0"/>
                 <a:ea typeface="CMU Sans Serif" panose="02000603000000000000" pitchFamily="2" charset="0"/>
                 <a:cs typeface="CMU Sans Serif" panose="02000603000000000000" pitchFamily="2" charset="0"/>
@@ -6691,7 +6657,7 @@
               </a:rPr>
               <a:t>Insert randomness</a:t>
             </a:r>
-            <a:endParaRPr sz="1600">
+            <a:endParaRPr sz="1600" dirty="0">
               <a:latin typeface="CMU Sans Serif" panose="02000603000000000000" pitchFamily="2" charset="0"/>
               <a:ea typeface="CMU Sans Serif" panose="02000603000000000000" pitchFamily="2" charset="0"/>
               <a:cs typeface="CMU Sans Serif" panose="02000603000000000000" pitchFamily="2" charset="0"/>
@@ -6717,7 +6683,7 @@
               <a:buNone/>
             </a:pPr>
             <a:r>
-              <a:rPr lang="en-GB" sz="1600">
+              <a:rPr lang="en-GB" sz="1600" dirty="0">
                 <a:latin typeface="CMU Sans Serif" panose="02000603000000000000" pitchFamily="2" charset="0"/>
                 <a:ea typeface="CMU Sans Serif" panose="02000603000000000000" pitchFamily="2" charset="0"/>
                 <a:cs typeface="CMU Sans Serif" panose="02000603000000000000" pitchFamily="2" charset="0"/>
@@ -6725,7 +6691,7 @@
               </a:rPr>
               <a:t>Reduce naive intervention</a:t>
             </a:r>
-            <a:endParaRPr sz="1600">
+            <a:endParaRPr sz="1600" dirty="0">
               <a:latin typeface="CMU Sans Serif" panose="02000603000000000000" pitchFamily="2" charset="0"/>
               <a:ea typeface="CMU Sans Serif" panose="02000603000000000000" pitchFamily="2" charset="0"/>
               <a:cs typeface="CMU Sans Serif" panose="02000603000000000000" pitchFamily="2" charset="0"/>
@@ -6751,7 +6717,7 @@
               <a:buNone/>
             </a:pPr>
             <a:r>
-              <a:rPr lang="en-GB" sz="1600">
+              <a:rPr lang="en-GB" sz="1600" dirty="0">
                 <a:latin typeface="CMU Sans Serif" panose="02000603000000000000" pitchFamily="2" charset="0"/>
                 <a:ea typeface="CMU Sans Serif" panose="02000603000000000000" pitchFamily="2" charset="0"/>
                 <a:cs typeface="CMU Sans Serif" panose="02000603000000000000" pitchFamily="2" charset="0"/>
@@ -6759,12 +6725,23 @@
               </a:rPr>
               <a:t>Skin in the game</a:t>
             </a:r>
-            <a:endParaRPr sz="1600">
-              <a:latin typeface="CMU Sans Serif" panose="02000603000000000000" pitchFamily="2" charset="0"/>
-              <a:ea typeface="CMU Sans Serif" panose="02000603000000000000" pitchFamily="2" charset="0"/>
-              <a:cs typeface="CMU Sans Serif" panose="02000603000000000000" pitchFamily="2" charset="0"/>
-              <a:sym typeface="Ubuntu"/>
-            </a:endParaRPr>
+          </a:p>
+          <a:p>
+            <a:pPr algn="ctr">
+              <a:buClr>
+                <a:schemeClr val="dk1"/>
+              </a:buClr>
+              <a:buSzPts val="1100"/>
+            </a:pPr>
+            <a:r>
+              <a:rPr lang="en-GB" sz="1600" dirty="0">
+                <a:latin typeface="CMU Sans Serif" panose="02000603000000000000" pitchFamily="2" charset="0"/>
+                <a:ea typeface="CMU Sans Serif" panose="02000603000000000000" pitchFamily="2" charset="0"/>
+                <a:cs typeface="CMU Sans Serif" panose="02000603000000000000" pitchFamily="2" charset="0"/>
+                <a:sym typeface="Ubuntu"/>
+              </a:rPr>
+              <a:t>Optionality*</a:t>
+            </a:r>
           </a:p>
         </p:txBody>
       </p:sp>
